--- a/2020/_Projects/캐릭터 모션 기획.pptx
+++ b/2020/_Projects/캐릭터 모션 기획.pptx
@@ -282,7 +282,7 @@
           <a:p>
             <a:fld id="{DA27504E-B695-483E-8899-DB8130962F72}" type="datetimeFigureOut">
               <a:rPr lang="ko-KR" altLang="en-US" smtClean="0"/>
-              <a:t>2020-01-16</a:t>
+              <a:t>2020-01-17</a:t>
             </a:fld>
             <a:endParaRPr lang="ko-KR" altLang="en-US"/>
           </a:p>
@@ -480,7 +480,7 @@
           <a:p>
             <a:fld id="{DA27504E-B695-483E-8899-DB8130962F72}" type="datetimeFigureOut">
               <a:rPr lang="ko-KR" altLang="en-US" smtClean="0"/>
-              <a:t>2020-01-16</a:t>
+              <a:t>2020-01-17</a:t>
             </a:fld>
             <a:endParaRPr lang="ko-KR" altLang="en-US"/>
           </a:p>
@@ -688,7 +688,7 @@
           <a:p>
             <a:fld id="{DA27504E-B695-483E-8899-DB8130962F72}" type="datetimeFigureOut">
               <a:rPr lang="ko-KR" altLang="en-US" smtClean="0"/>
-              <a:t>2020-01-16</a:t>
+              <a:t>2020-01-17</a:t>
             </a:fld>
             <a:endParaRPr lang="ko-KR" altLang="en-US"/>
           </a:p>
@@ -902,7 +902,7 @@
           <a:p>
             <a:fld id="{DA27504E-B695-483E-8899-DB8130962F72}" type="datetimeFigureOut">
               <a:rPr lang="ko-KR" altLang="en-US" smtClean="0"/>
-              <a:t>2020-01-16</a:t>
+              <a:t>2020-01-17</a:t>
             </a:fld>
             <a:endParaRPr lang="ko-KR" altLang="en-US"/>
           </a:p>
@@ -1177,7 +1177,7 @@
           <a:p>
             <a:fld id="{DA27504E-B695-483E-8899-DB8130962F72}" type="datetimeFigureOut">
               <a:rPr lang="ko-KR" altLang="en-US" smtClean="0"/>
-              <a:t>2020-01-16</a:t>
+              <a:t>2020-01-17</a:t>
             </a:fld>
             <a:endParaRPr lang="ko-KR" altLang="en-US"/>
           </a:p>
@@ -1442,7 +1442,7 @@
           <a:p>
             <a:fld id="{DA27504E-B695-483E-8899-DB8130962F72}" type="datetimeFigureOut">
               <a:rPr lang="ko-KR" altLang="en-US" smtClean="0"/>
-              <a:t>2020-01-16</a:t>
+              <a:t>2020-01-17</a:t>
             </a:fld>
             <a:endParaRPr lang="ko-KR" altLang="en-US"/>
           </a:p>
@@ -1854,7 +1854,7 @@
           <a:p>
             <a:fld id="{DA27504E-B695-483E-8899-DB8130962F72}" type="datetimeFigureOut">
               <a:rPr lang="ko-KR" altLang="en-US" smtClean="0"/>
-              <a:t>2020-01-16</a:t>
+              <a:t>2020-01-17</a:t>
             </a:fld>
             <a:endParaRPr lang="ko-KR" altLang="en-US"/>
           </a:p>
@@ -1995,7 +1995,7 @@
           <a:p>
             <a:fld id="{DA27504E-B695-483E-8899-DB8130962F72}" type="datetimeFigureOut">
               <a:rPr lang="ko-KR" altLang="en-US" smtClean="0"/>
-              <a:t>2020-01-16</a:t>
+              <a:t>2020-01-17</a:t>
             </a:fld>
             <a:endParaRPr lang="ko-KR" altLang="en-US"/>
           </a:p>
@@ -2108,7 +2108,7 @@
           <a:p>
             <a:fld id="{DA27504E-B695-483E-8899-DB8130962F72}" type="datetimeFigureOut">
               <a:rPr lang="ko-KR" altLang="en-US" smtClean="0"/>
-              <a:t>2020-01-16</a:t>
+              <a:t>2020-01-17</a:t>
             </a:fld>
             <a:endParaRPr lang="ko-KR" altLang="en-US"/>
           </a:p>
@@ -2419,7 +2419,7 @@
           <a:p>
             <a:fld id="{DA27504E-B695-483E-8899-DB8130962F72}" type="datetimeFigureOut">
               <a:rPr lang="ko-KR" altLang="en-US" smtClean="0"/>
-              <a:t>2020-01-16</a:t>
+              <a:t>2020-01-17</a:t>
             </a:fld>
             <a:endParaRPr lang="ko-KR" altLang="en-US"/>
           </a:p>
@@ -2707,7 +2707,7 @@
           <a:p>
             <a:fld id="{DA27504E-B695-483E-8899-DB8130962F72}" type="datetimeFigureOut">
               <a:rPr lang="ko-KR" altLang="en-US" smtClean="0"/>
-              <a:t>2020-01-16</a:t>
+              <a:t>2020-01-17</a:t>
             </a:fld>
             <a:endParaRPr lang="ko-KR" altLang="en-US"/>
           </a:p>
@@ -2948,7 +2948,7 @@
           <a:p>
             <a:fld id="{DA27504E-B695-483E-8899-DB8130962F72}" type="datetimeFigureOut">
               <a:rPr lang="ko-KR" altLang="en-US" smtClean="0"/>
-              <a:t>2020-01-16</a:t>
+              <a:t>2020-01-17</a:t>
             </a:fld>
             <a:endParaRPr lang="ko-KR" altLang="en-US"/>
           </a:p>
@@ -20870,7 +20870,7 @@
           <a:graphicData uri="http://schemas.openxmlformats.org/presentationml/2006/ole">
             <mc:AlternateContent xmlns:mc="http://schemas.openxmlformats.org/markup-compatibility/2006">
               <mc:Choice xmlns:v="urn:schemas-microsoft-com:vml" Requires="v">
-                <p:oleObj spid="_x0000_s1072" name="Worksheet" r:id="rId3" imgW="8778240" imgH="4648232" progId="Excel.Sheet.12">
+                <p:oleObj spid="_x0000_s1073" name="Worksheet" r:id="rId3" imgW="8778240" imgH="4648232" progId="Excel.Sheet.12">
                   <p:embed/>
                 </p:oleObj>
               </mc:Choice>
